--- a/LS 39F HW3.pptx
+++ b/LS 39F HW3.pptx
@@ -5,7 +5,7 @@
     <p:sldMasterId id="2147483659" r:id="rId1"/>
   </p:sldMasterIdLst>
   <p:notesMasterIdLst>
-    <p:notesMasterId r:id="rId11"/>
+    <p:notesMasterId r:id="rId13"/>
   </p:notesMasterIdLst>
   <p:sldIdLst>
     <p:sldId id="256" r:id="rId2"/>
@@ -16,7 +16,9 @@
     <p:sldId id="258" r:id="rId7"/>
     <p:sldId id="259" r:id="rId8"/>
     <p:sldId id="260" r:id="rId9"/>
-    <p:sldId id="264" r:id="rId10"/>
+    <p:sldId id="266" r:id="rId10"/>
+    <p:sldId id="265" r:id="rId11"/>
+    <p:sldId id="264" r:id="rId12"/>
   </p:sldIdLst>
   <p:sldSz cx="9144000" cy="5143500" type="screen16x9"/>
   <p:notesSz cx="6858000" cy="9144000"/>
@@ -231,15 +233,6 @@
 </p:cmAuthorLst>
 </file>
 
-<file path=ppt/comments/comment1.xml><?xml version="1.0" encoding="utf-8"?>
-<p:cmLst xmlns:a="http://schemas.openxmlformats.org/drawingml/2006/main" xmlns:r="http://schemas.openxmlformats.org/officeDocument/2006/relationships" xmlns:p="http://schemas.openxmlformats.org/presentationml/2006/main">
-  <p:cm authorId="0" dt="2016-03-26T15:13:16.017" idx="1">
-    <p:pos x="1097" y="687"/>
-    <p:text>Insert mini IC flag</p:text>
-  </p:cm>
-</p:cmLst>
-</file>
-
 <file path=ppt/notesMasters/notesMaster1.xml><?xml version="1.0" encoding="utf-8"?>
 <p:notesMaster xmlns:a="http://schemas.openxmlformats.org/drawingml/2006/main" xmlns:r="http://schemas.openxmlformats.org/officeDocument/2006/relationships" xmlns:p="http://schemas.openxmlformats.org/presentationml/2006/main">
   <p:cSld>
@@ -903,7 +896,7 @@
               </a:spcBef>
               <a:buNone/>
             </a:pPr>
-            <a:endParaRPr/>
+            <a:endParaRPr dirty="0"/>
           </a:p>
         </p:txBody>
       </p:sp>
@@ -5643,6 +5636,387 @@
 </p:sld>
 </file>
 
+<file path=ppt/slides/slide10.xml><?xml version="1.0" encoding="utf-8"?>
+<p:sld xmlns:a="http://schemas.openxmlformats.org/drawingml/2006/main" xmlns:r="http://schemas.openxmlformats.org/officeDocument/2006/relationships" xmlns:p="http://schemas.openxmlformats.org/presentationml/2006/main" showMasterSp="0">
+  <p:cSld>
+    <p:spTree>
+      <p:nvGrpSpPr>
+        <p:cNvPr id="1" name=""/>
+        <p:cNvGrpSpPr/>
+        <p:nvPr/>
+      </p:nvGrpSpPr>
+      <p:grpSpPr>
+        <a:xfrm>
+          <a:off x="0" y="0"/>
+          <a:ext cx="0" cy="0"/>
+          <a:chOff x="0" y="0"/>
+          <a:chExt cx="0" cy="0"/>
+        </a:xfrm>
+      </p:grpSpPr>
+      <p:sp>
+        <p:nvSpPr>
+          <p:cNvPr id="2" name="Title 1"/>
+          <p:cNvSpPr>
+            <a:spLocks noGrp="1"/>
+          </p:cNvSpPr>
+          <p:nvPr>
+            <p:ph type="title"/>
+          </p:nvPr>
+        </p:nvSpPr>
+        <p:spPr/>
+        <p:txBody>
+          <a:bodyPr/>
+          <a:lstStyle/>
+          <a:p>
+            <a:r>
+              <a:rPr lang="en-US" dirty="0" smtClean="0"/>
+              <a:t>Acknowledgements</a:t>
+            </a:r>
+            <a:endParaRPr lang="en-US" dirty="0"/>
+          </a:p>
+        </p:txBody>
+      </p:sp>
+      <p:sp>
+        <p:nvSpPr>
+          <p:cNvPr id="3" name="Text Placeholder 2"/>
+          <p:cNvSpPr>
+            <a:spLocks noGrp="1"/>
+          </p:cNvSpPr>
+          <p:nvPr>
+            <p:ph type="body" idx="1"/>
+          </p:nvPr>
+        </p:nvSpPr>
+        <p:spPr/>
+        <p:txBody>
+          <a:bodyPr/>
+          <a:lstStyle/>
+          <a:p>
+            <a:r>
+              <a:rPr lang="en-US" dirty="0" smtClean="0"/>
+              <a:t>-</a:t>
+            </a:r>
+            <a:r>
+              <a:rPr lang="en-US" b="1" dirty="0" smtClean="0"/>
+              <a:t> </a:t>
+            </a:r>
+            <a:r>
+              <a:rPr lang="en-US" dirty="0" smtClean="0"/>
+              <a:t>We would like to thank </a:t>
+            </a:r>
+            <a:r>
+              <a:rPr lang="en-US" b="1" dirty="0" smtClean="0"/>
+              <a:t>Jessie Salas</a:t>
+            </a:r>
+            <a:r>
+              <a:rPr lang="en-US" dirty="0" smtClean="0"/>
+              <a:t> for helping us solidify our initial idea</a:t>
+            </a:r>
+          </a:p>
+        </p:txBody>
+      </p:sp>
+    </p:spTree>
+    <p:extLst>
+      <p:ext uri="{BB962C8B-B14F-4D97-AF65-F5344CB8AC3E}">
+        <p14:creationId xmlns:p14="http://schemas.microsoft.com/office/powerpoint/2010/main" val="67666829"/>
+      </p:ext>
+    </p:extLst>
+  </p:cSld>
+  <p:clrMapOvr>
+    <a:masterClrMapping/>
+  </p:clrMapOvr>
+  <p:timing>
+    <p:tnLst>
+      <p:par>
+        <p:cTn xmlns:p14="http://schemas.microsoft.com/office/powerpoint/2010/main" id="1" dur="indefinite" restart="never" nodeType="tmRoot"/>
+      </p:par>
+    </p:tnLst>
+  </p:timing>
+</p:sld>
+</file>
+
+<file path=ppt/slides/slide11.xml><?xml version="1.0" encoding="utf-8"?>
+<p:sld xmlns:a="http://schemas.openxmlformats.org/drawingml/2006/main" xmlns:r="http://schemas.openxmlformats.org/officeDocument/2006/relationships" xmlns:p="http://schemas.openxmlformats.org/presentationml/2006/main" showMasterSp="0">
+  <p:cSld>
+    <p:bg>
+      <p:bgPr>
+        <a:solidFill>
+          <a:schemeClr val="tx1"/>
+        </a:solidFill>
+        <a:effectLst/>
+      </p:bgPr>
+    </p:bg>
+    <p:spTree>
+      <p:nvGrpSpPr>
+        <p:cNvPr id="1" name=""/>
+        <p:cNvGrpSpPr/>
+        <p:nvPr/>
+      </p:nvGrpSpPr>
+      <p:grpSpPr>
+        <a:xfrm>
+          <a:off x="0" y="0"/>
+          <a:ext cx="0" cy="0"/>
+          <a:chOff x="0" y="0"/>
+          <a:chExt cx="0" cy="0"/>
+        </a:xfrm>
+      </p:grpSpPr>
+      <p:sp>
+        <p:nvSpPr>
+          <p:cNvPr id="5" name="Shape 140"/>
+          <p:cNvSpPr txBox="1">
+            <a:spLocks/>
+          </p:cNvSpPr>
+          <p:nvPr/>
+        </p:nvSpPr>
+        <p:spPr>
+          <a:xfrm>
+            <a:off x="2125612" y="1995101"/>
+            <a:ext cx="6321599" cy="635399"/>
+          </a:xfrm>
+          <a:prstGeom prst="rect">
+            <a:avLst/>
+          </a:prstGeom>
+          <a:noFill/>
+          <a:ln>
+            <a:noFill/>
+          </a:ln>
+        </p:spPr>
+        <p:txBody>
+          <a:bodyPr lIns="91425" tIns="91425" rIns="91425" bIns="91425" anchor="t" anchorCtr="0">
+            <a:noAutofit/>
+          </a:bodyPr>
+          <a:lstStyle>
+            <a:defPPr marR="0" lvl="0" algn="l" rtl="0">
+              <a:lnSpc>
+                <a:spcPct val="100000"/>
+              </a:lnSpc>
+              <a:spcBef>
+                <a:spcPts val="0"/>
+              </a:spcBef>
+              <a:spcAft>
+                <a:spcPts val="0"/>
+              </a:spcAft>
+            </a:defPPr>
+            <a:lvl1pPr marR="0" lvl="0" algn="l" rtl="0">
+              <a:lnSpc>
+                <a:spcPct val="100000"/>
+              </a:lnSpc>
+              <a:spcBef>
+                <a:spcPts val="0"/>
+              </a:spcBef>
+              <a:spcAft>
+                <a:spcPts val="0"/>
+              </a:spcAft>
+              <a:buClr>
+                <a:schemeClr val="dk2"/>
+              </a:buClr>
+              <a:buSzPct val="100000"/>
+              <a:buFont typeface="Raleway"/>
+              <a:buNone/>
+              <a:defRPr sz="3000" b="1" i="0" u="none" strike="noStrike" cap="none">
+                <a:solidFill>
+                  <a:schemeClr val="dk2"/>
+                </a:solidFill>
+                <a:latin typeface="Raleway"/>
+                <a:ea typeface="Raleway"/>
+                <a:cs typeface="Raleway"/>
+                <a:sym typeface="Raleway"/>
+              </a:defRPr>
+            </a:lvl1pPr>
+            <a:lvl2pPr lvl="1">
+              <a:spcBef>
+                <a:spcPts val="0"/>
+              </a:spcBef>
+              <a:buClr>
+                <a:schemeClr val="dk2"/>
+              </a:buClr>
+              <a:buSzPct val="100000"/>
+              <a:buFont typeface="Raleway"/>
+              <a:buNone/>
+              <a:defRPr sz="3000" b="1">
+                <a:solidFill>
+                  <a:schemeClr val="dk2"/>
+                </a:solidFill>
+                <a:latin typeface="Raleway"/>
+                <a:ea typeface="Raleway"/>
+                <a:cs typeface="Raleway"/>
+                <a:sym typeface="Raleway"/>
+              </a:defRPr>
+            </a:lvl2pPr>
+            <a:lvl3pPr lvl="2">
+              <a:spcBef>
+                <a:spcPts val="0"/>
+              </a:spcBef>
+              <a:buClr>
+                <a:schemeClr val="dk2"/>
+              </a:buClr>
+              <a:buSzPct val="100000"/>
+              <a:buFont typeface="Raleway"/>
+              <a:buNone/>
+              <a:defRPr sz="3000" b="1">
+                <a:solidFill>
+                  <a:schemeClr val="dk2"/>
+                </a:solidFill>
+                <a:latin typeface="Raleway"/>
+                <a:ea typeface="Raleway"/>
+                <a:cs typeface="Raleway"/>
+                <a:sym typeface="Raleway"/>
+              </a:defRPr>
+            </a:lvl3pPr>
+            <a:lvl4pPr lvl="3">
+              <a:spcBef>
+                <a:spcPts val="0"/>
+              </a:spcBef>
+              <a:buClr>
+                <a:schemeClr val="dk2"/>
+              </a:buClr>
+              <a:buSzPct val="100000"/>
+              <a:buFont typeface="Raleway"/>
+              <a:buNone/>
+              <a:defRPr sz="3000" b="1">
+                <a:solidFill>
+                  <a:schemeClr val="dk2"/>
+                </a:solidFill>
+                <a:latin typeface="Raleway"/>
+                <a:ea typeface="Raleway"/>
+                <a:cs typeface="Raleway"/>
+                <a:sym typeface="Raleway"/>
+              </a:defRPr>
+            </a:lvl4pPr>
+            <a:lvl5pPr lvl="4">
+              <a:spcBef>
+                <a:spcPts val="0"/>
+              </a:spcBef>
+              <a:buClr>
+                <a:schemeClr val="dk2"/>
+              </a:buClr>
+              <a:buSzPct val="100000"/>
+              <a:buFont typeface="Raleway"/>
+              <a:buNone/>
+              <a:defRPr sz="3000" b="1">
+                <a:solidFill>
+                  <a:schemeClr val="dk2"/>
+                </a:solidFill>
+                <a:latin typeface="Raleway"/>
+                <a:ea typeface="Raleway"/>
+                <a:cs typeface="Raleway"/>
+                <a:sym typeface="Raleway"/>
+              </a:defRPr>
+            </a:lvl5pPr>
+            <a:lvl6pPr lvl="5">
+              <a:spcBef>
+                <a:spcPts val="0"/>
+              </a:spcBef>
+              <a:buClr>
+                <a:schemeClr val="dk2"/>
+              </a:buClr>
+              <a:buSzPct val="100000"/>
+              <a:buFont typeface="Raleway"/>
+              <a:buNone/>
+              <a:defRPr sz="3000" b="1">
+                <a:solidFill>
+                  <a:schemeClr val="dk2"/>
+                </a:solidFill>
+                <a:latin typeface="Raleway"/>
+                <a:ea typeface="Raleway"/>
+                <a:cs typeface="Raleway"/>
+                <a:sym typeface="Raleway"/>
+              </a:defRPr>
+            </a:lvl6pPr>
+            <a:lvl7pPr lvl="6">
+              <a:spcBef>
+                <a:spcPts val="0"/>
+              </a:spcBef>
+              <a:buClr>
+                <a:schemeClr val="dk2"/>
+              </a:buClr>
+              <a:buSzPct val="100000"/>
+              <a:buFont typeface="Raleway"/>
+              <a:buNone/>
+              <a:defRPr sz="3000" b="1">
+                <a:solidFill>
+                  <a:schemeClr val="dk2"/>
+                </a:solidFill>
+                <a:latin typeface="Raleway"/>
+                <a:ea typeface="Raleway"/>
+                <a:cs typeface="Raleway"/>
+                <a:sym typeface="Raleway"/>
+              </a:defRPr>
+            </a:lvl7pPr>
+            <a:lvl8pPr lvl="7">
+              <a:spcBef>
+                <a:spcPts val="0"/>
+              </a:spcBef>
+              <a:buClr>
+                <a:schemeClr val="dk2"/>
+              </a:buClr>
+              <a:buSzPct val="100000"/>
+              <a:buFont typeface="Raleway"/>
+              <a:buNone/>
+              <a:defRPr sz="3000" b="1">
+                <a:solidFill>
+                  <a:schemeClr val="dk2"/>
+                </a:solidFill>
+                <a:latin typeface="Raleway"/>
+                <a:ea typeface="Raleway"/>
+                <a:cs typeface="Raleway"/>
+                <a:sym typeface="Raleway"/>
+              </a:defRPr>
+            </a:lvl8pPr>
+            <a:lvl9pPr lvl="8">
+              <a:spcBef>
+                <a:spcPts val="0"/>
+              </a:spcBef>
+              <a:buClr>
+                <a:schemeClr val="dk2"/>
+              </a:buClr>
+              <a:buSzPct val="100000"/>
+              <a:buFont typeface="Raleway"/>
+              <a:buNone/>
+              <a:defRPr sz="3000" b="1">
+                <a:solidFill>
+                  <a:schemeClr val="dk2"/>
+                </a:solidFill>
+                <a:latin typeface="Raleway"/>
+                <a:ea typeface="Raleway"/>
+                <a:cs typeface="Raleway"/>
+                <a:sym typeface="Raleway"/>
+              </a:defRPr>
+            </a:lvl9pPr>
+          </a:lstStyle>
+          <a:p>
+            <a:pPr marL="909638" indent="-909638"/>
+            <a:r>
+              <a:rPr lang="en-US" sz="6600" dirty="0">
+                <a:solidFill>
+                  <a:schemeClr val="bg1"/>
+                </a:solidFill>
+              </a:rPr>
+              <a:t>Questions?</a:t>
+            </a:r>
+            <a:endParaRPr lang="en" sz="6600" dirty="0"/>
+          </a:p>
+        </p:txBody>
+      </p:sp>
+    </p:spTree>
+    <p:extLst>
+      <p:ext uri="{BB962C8B-B14F-4D97-AF65-F5344CB8AC3E}">
+        <p14:creationId xmlns:p14="http://schemas.microsoft.com/office/powerpoint/2010/main" val="1488687188"/>
+      </p:ext>
+    </p:extLst>
+  </p:cSld>
+  <p:clrMapOvr>
+    <a:masterClrMapping/>
+  </p:clrMapOvr>
+  <p:timing>
+    <p:tnLst>
+      <p:par>
+        <p:cTn xmlns:p14="http://schemas.microsoft.com/office/powerpoint/2010/main" id="1" dur="indefinite" restart="never" nodeType="tmRoot"/>
+      </p:par>
+    </p:tnLst>
+  </p:timing>
+</p:sld>
+</file>
+
 <file path=ppt/slides/slide2.xml><?xml version="1.0" encoding="utf-8"?>
 <p:sld xmlns:a="http://schemas.openxmlformats.org/drawingml/2006/main" xmlns:r="http://schemas.openxmlformats.org/officeDocument/2006/relationships" xmlns:p="http://schemas.openxmlformats.org/presentationml/2006/main" showMasterSp="0">
   <p:cSld>
@@ -5660,44 +6034,6 @@
           <a:chExt cx="0" cy="0"/>
         </a:xfrm>
       </p:grpSpPr>
-      <p:sp>
-        <p:nvSpPr>
-          <p:cNvPr id="78" name="Shape 78"/>
-          <p:cNvSpPr txBox="1">
-            <a:spLocks noGrp="1"/>
-          </p:cNvSpPr>
-          <p:nvPr>
-            <p:ph type="title"/>
-          </p:nvPr>
-        </p:nvSpPr>
-        <p:spPr>
-          <a:xfrm>
-            <a:off x="2400250" y="575950"/>
-            <a:ext cx="6321599" cy="635399"/>
-          </a:xfrm>
-          <a:prstGeom prst="rect">
-            <a:avLst/>
-          </a:prstGeom>
-        </p:spPr>
-        <p:txBody>
-          <a:bodyPr lIns="91425" tIns="91425" rIns="91425" bIns="91425" anchor="t" anchorCtr="0">
-            <a:noAutofit/>
-          </a:bodyPr>
-          <a:lstStyle/>
-          <a:p>
-            <a:pPr lvl="0">
-              <a:spcBef>
-                <a:spcPts val="0"/>
-              </a:spcBef>
-              <a:buNone/>
-            </a:pPr>
-            <a:r>
-              <a:rPr lang="en"/>
-              <a:t>Introduction</a:t>
-            </a:r>
-          </a:p>
-        </p:txBody>
-      </p:sp>
       <p:sp>
         <p:nvSpPr>
           <p:cNvPr id="79" name="Shape 79"/>
@@ -6171,6 +6507,237 @@
           </p:txBody>
         </p:sp>
       </p:grpSp>
+      <p:sp>
+        <p:nvSpPr>
+          <p:cNvPr id="49" name="Title 1"/>
+          <p:cNvSpPr txBox="1">
+            <a:spLocks/>
+          </p:cNvSpPr>
+          <p:nvPr/>
+        </p:nvSpPr>
+        <p:spPr>
+          <a:xfrm>
+            <a:off x="2552650" y="728350"/>
+            <a:ext cx="6321599" cy="635399"/>
+          </a:xfrm>
+          <a:prstGeom prst="rect">
+            <a:avLst/>
+          </a:prstGeom>
+          <a:noFill/>
+          <a:ln>
+            <a:noFill/>
+          </a:ln>
+        </p:spPr>
+        <p:txBody>
+          <a:bodyPr lIns="91425" tIns="91425" rIns="91425" bIns="91425" anchor="t" anchorCtr="0"/>
+          <a:lstStyle>
+            <a:defPPr marR="0" lvl="0" algn="l" rtl="0">
+              <a:lnSpc>
+                <a:spcPct val="100000"/>
+              </a:lnSpc>
+              <a:spcBef>
+                <a:spcPts val="0"/>
+              </a:spcBef>
+              <a:spcAft>
+                <a:spcPts val="0"/>
+              </a:spcAft>
+            </a:defPPr>
+            <a:lvl1pPr marR="0" lvl="0" algn="l" rtl="0">
+              <a:lnSpc>
+                <a:spcPct val="100000"/>
+              </a:lnSpc>
+              <a:spcBef>
+                <a:spcPts val="0"/>
+              </a:spcBef>
+              <a:spcAft>
+                <a:spcPts val="0"/>
+              </a:spcAft>
+              <a:buClr>
+                <a:schemeClr val="dk2"/>
+              </a:buClr>
+              <a:buSzPct val="100000"/>
+              <a:buFont typeface="Raleway"/>
+              <a:buNone/>
+              <a:defRPr sz="3000" b="1" i="0" u="none" strike="noStrike" cap="none">
+                <a:solidFill>
+                  <a:schemeClr val="dk2"/>
+                </a:solidFill>
+                <a:latin typeface="Raleway"/>
+                <a:ea typeface="Raleway"/>
+                <a:cs typeface="Raleway"/>
+                <a:sym typeface="Raleway"/>
+              </a:defRPr>
+            </a:lvl1pPr>
+            <a:lvl2pPr lvl="1">
+              <a:spcBef>
+                <a:spcPts val="0"/>
+              </a:spcBef>
+              <a:buClr>
+                <a:schemeClr val="dk2"/>
+              </a:buClr>
+              <a:buSzPct val="100000"/>
+              <a:buFont typeface="Raleway"/>
+              <a:buNone/>
+              <a:defRPr sz="3000" b="1">
+                <a:solidFill>
+                  <a:schemeClr val="dk2"/>
+                </a:solidFill>
+                <a:latin typeface="Raleway"/>
+                <a:ea typeface="Raleway"/>
+                <a:cs typeface="Raleway"/>
+                <a:sym typeface="Raleway"/>
+              </a:defRPr>
+            </a:lvl2pPr>
+            <a:lvl3pPr lvl="2">
+              <a:spcBef>
+                <a:spcPts val="0"/>
+              </a:spcBef>
+              <a:buClr>
+                <a:schemeClr val="dk2"/>
+              </a:buClr>
+              <a:buSzPct val="100000"/>
+              <a:buFont typeface="Raleway"/>
+              <a:buNone/>
+              <a:defRPr sz="3000" b="1">
+                <a:solidFill>
+                  <a:schemeClr val="dk2"/>
+                </a:solidFill>
+                <a:latin typeface="Raleway"/>
+                <a:ea typeface="Raleway"/>
+                <a:cs typeface="Raleway"/>
+                <a:sym typeface="Raleway"/>
+              </a:defRPr>
+            </a:lvl3pPr>
+            <a:lvl4pPr lvl="3">
+              <a:spcBef>
+                <a:spcPts val="0"/>
+              </a:spcBef>
+              <a:buClr>
+                <a:schemeClr val="dk2"/>
+              </a:buClr>
+              <a:buSzPct val="100000"/>
+              <a:buFont typeface="Raleway"/>
+              <a:buNone/>
+              <a:defRPr sz="3000" b="1">
+                <a:solidFill>
+                  <a:schemeClr val="dk2"/>
+                </a:solidFill>
+                <a:latin typeface="Raleway"/>
+                <a:ea typeface="Raleway"/>
+                <a:cs typeface="Raleway"/>
+                <a:sym typeface="Raleway"/>
+              </a:defRPr>
+            </a:lvl4pPr>
+            <a:lvl5pPr lvl="4">
+              <a:spcBef>
+                <a:spcPts val="0"/>
+              </a:spcBef>
+              <a:buClr>
+                <a:schemeClr val="dk2"/>
+              </a:buClr>
+              <a:buSzPct val="100000"/>
+              <a:buFont typeface="Raleway"/>
+              <a:buNone/>
+              <a:defRPr sz="3000" b="1">
+                <a:solidFill>
+                  <a:schemeClr val="dk2"/>
+                </a:solidFill>
+                <a:latin typeface="Raleway"/>
+                <a:ea typeface="Raleway"/>
+                <a:cs typeface="Raleway"/>
+                <a:sym typeface="Raleway"/>
+              </a:defRPr>
+            </a:lvl5pPr>
+            <a:lvl6pPr lvl="5">
+              <a:spcBef>
+                <a:spcPts val="0"/>
+              </a:spcBef>
+              <a:buClr>
+                <a:schemeClr val="dk2"/>
+              </a:buClr>
+              <a:buSzPct val="100000"/>
+              <a:buFont typeface="Raleway"/>
+              <a:buNone/>
+              <a:defRPr sz="3000" b="1">
+                <a:solidFill>
+                  <a:schemeClr val="dk2"/>
+                </a:solidFill>
+                <a:latin typeface="Raleway"/>
+                <a:ea typeface="Raleway"/>
+                <a:cs typeface="Raleway"/>
+                <a:sym typeface="Raleway"/>
+              </a:defRPr>
+            </a:lvl6pPr>
+            <a:lvl7pPr lvl="6">
+              <a:spcBef>
+                <a:spcPts val="0"/>
+              </a:spcBef>
+              <a:buClr>
+                <a:schemeClr val="dk2"/>
+              </a:buClr>
+              <a:buSzPct val="100000"/>
+              <a:buFont typeface="Raleway"/>
+              <a:buNone/>
+              <a:defRPr sz="3000" b="1">
+                <a:solidFill>
+                  <a:schemeClr val="dk2"/>
+                </a:solidFill>
+                <a:latin typeface="Raleway"/>
+                <a:ea typeface="Raleway"/>
+                <a:cs typeface="Raleway"/>
+                <a:sym typeface="Raleway"/>
+              </a:defRPr>
+            </a:lvl7pPr>
+            <a:lvl8pPr lvl="7">
+              <a:spcBef>
+                <a:spcPts val="0"/>
+              </a:spcBef>
+              <a:buClr>
+                <a:schemeClr val="dk2"/>
+              </a:buClr>
+              <a:buSzPct val="100000"/>
+              <a:buFont typeface="Raleway"/>
+              <a:buNone/>
+              <a:defRPr sz="3000" b="1">
+                <a:solidFill>
+                  <a:schemeClr val="dk2"/>
+                </a:solidFill>
+                <a:latin typeface="Raleway"/>
+                <a:ea typeface="Raleway"/>
+                <a:cs typeface="Raleway"/>
+                <a:sym typeface="Raleway"/>
+              </a:defRPr>
+            </a:lvl8pPr>
+            <a:lvl9pPr lvl="8">
+              <a:spcBef>
+                <a:spcPts val="0"/>
+              </a:spcBef>
+              <a:buClr>
+                <a:schemeClr val="dk2"/>
+              </a:buClr>
+              <a:buSzPct val="100000"/>
+              <a:buFont typeface="Raleway"/>
+              <a:buNone/>
+              <a:defRPr sz="3000" b="1">
+                <a:solidFill>
+                  <a:schemeClr val="dk2"/>
+                </a:solidFill>
+                <a:latin typeface="Raleway"/>
+                <a:ea typeface="Raleway"/>
+                <a:cs typeface="Raleway"/>
+                <a:sym typeface="Raleway"/>
+              </a:defRPr>
+            </a:lvl9pPr>
+          </a:lstStyle>
+          <a:p>
+            <a:r>
+              <a:rPr lang="en" dirty="0"/>
+              <a:t>Introduction</a:t>
+            </a:r>
+            <a:endParaRPr lang="en-US" dirty="0"/>
+          </a:p>
+        </p:txBody>
+      </p:sp>
     </p:spTree>
   </p:cSld>
   <p:clrMapOvr>
@@ -6208,34 +6775,6 @@
       </p:grpSpPr>
       <p:sp>
         <p:nvSpPr>
-          <p:cNvPr id="2" name="Title 1"/>
-          <p:cNvSpPr>
-            <a:spLocks noGrp="1"/>
-          </p:cNvSpPr>
-          <p:nvPr>
-            <p:ph type="title"/>
-          </p:nvPr>
-        </p:nvSpPr>
-        <p:spPr>
-          <a:xfrm>
-            <a:off x="2591306" y="378893"/>
-            <a:ext cx="6321599" cy="635399"/>
-          </a:xfrm>
-        </p:spPr>
-        <p:txBody>
-          <a:bodyPr/>
-          <a:lstStyle/>
-          <a:p>
-            <a:r>
-              <a:rPr lang="en-US" dirty="0" smtClean="0"/>
-              <a:t>Example</a:t>
-            </a:r>
-            <a:endParaRPr lang="en-US" dirty="0"/>
-          </a:p>
-        </p:txBody>
-      </p:sp>
-      <p:sp>
-        <p:nvSpPr>
           <p:cNvPr id="3" name="Text Placeholder 2"/>
           <p:cNvSpPr>
             <a:spLocks noGrp="1"/>
@@ -6256,7 +6795,11 @@
           <a:p>
             <a:r>
               <a:rPr lang="en-US" b="1" u="sng" dirty="0" smtClean="0"/>
-              <a:t>Ivory Coast :</a:t>
+              <a:t>Ivory </a:t>
+            </a:r>
+            <a:r>
+              <a:rPr lang="en-US" b="1" u="sng" dirty="0" smtClean="0"/>
+              <a:t>Coast</a:t>
             </a:r>
             <a:endParaRPr lang="en-US" b="1" u="sng" dirty="0"/>
           </a:p>
@@ -6779,6 +7322,267 @@
           </a:p>
         </p:txBody>
       </p:sp>
+      <p:sp>
+        <p:nvSpPr>
+          <p:cNvPr id="23" name="Title 1"/>
+          <p:cNvSpPr txBox="1">
+            <a:spLocks/>
+          </p:cNvSpPr>
+          <p:nvPr/>
+        </p:nvSpPr>
+        <p:spPr>
+          <a:xfrm>
+            <a:off x="3395575" y="559750"/>
+            <a:ext cx="6321599" cy="635399"/>
+          </a:xfrm>
+          <a:prstGeom prst="rect">
+            <a:avLst/>
+          </a:prstGeom>
+          <a:noFill/>
+          <a:ln>
+            <a:noFill/>
+          </a:ln>
+        </p:spPr>
+        <p:txBody>
+          <a:bodyPr lIns="91425" tIns="91425" rIns="91425" bIns="91425" anchor="t" anchorCtr="0"/>
+          <a:lstStyle>
+            <a:defPPr marR="0" lvl="0" algn="l" rtl="0">
+              <a:lnSpc>
+                <a:spcPct val="100000"/>
+              </a:lnSpc>
+              <a:spcBef>
+                <a:spcPts val="0"/>
+              </a:spcBef>
+              <a:spcAft>
+                <a:spcPts val="0"/>
+              </a:spcAft>
+            </a:defPPr>
+            <a:lvl1pPr marR="0" lvl="0" algn="l" rtl="0">
+              <a:lnSpc>
+                <a:spcPct val="100000"/>
+              </a:lnSpc>
+              <a:spcBef>
+                <a:spcPts val="0"/>
+              </a:spcBef>
+              <a:spcAft>
+                <a:spcPts val="0"/>
+              </a:spcAft>
+              <a:buClr>
+                <a:schemeClr val="dk2"/>
+              </a:buClr>
+              <a:buSzPct val="100000"/>
+              <a:buFont typeface="Raleway"/>
+              <a:buNone/>
+              <a:defRPr sz="3000" b="1" i="0" u="none" strike="noStrike" cap="none">
+                <a:solidFill>
+                  <a:schemeClr val="dk2"/>
+                </a:solidFill>
+                <a:latin typeface="Raleway"/>
+                <a:ea typeface="Raleway"/>
+                <a:cs typeface="Raleway"/>
+                <a:sym typeface="Raleway"/>
+              </a:defRPr>
+            </a:lvl1pPr>
+            <a:lvl2pPr lvl="1">
+              <a:spcBef>
+                <a:spcPts val="0"/>
+              </a:spcBef>
+              <a:buClr>
+                <a:schemeClr val="dk2"/>
+              </a:buClr>
+              <a:buSzPct val="100000"/>
+              <a:buFont typeface="Raleway"/>
+              <a:buNone/>
+              <a:defRPr sz="3000" b="1">
+                <a:solidFill>
+                  <a:schemeClr val="dk2"/>
+                </a:solidFill>
+                <a:latin typeface="Raleway"/>
+                <a:ea typeface="Raleway"/>
+                <a:cs typeface="Raleway"/>
+                <a:sym typeface="Raleway"/>
+              </a:defRPr>
+            </a:lvl2pPr>
+            <a:lvl3pPr lvl="2">
+              <a:spcBef>
+                <a:spcPts val="0"/>
+              </a:spcBef>
+              <a:buClr>
+                <a:schemeClr val="dk2"/>
+              </a:buClr>
+              <a:buSzPct val="100000"/>
+              <a:buFont typeface="Raleway"/>
+              <a:buNone/>
+              <a:defRPr sz="3000" b="1">
+                <a:solidFill>
+                  <a:schemeClr val="dk2"/>
+                </a:solidFill>
+                <a:latin typeface="Raleway"/>
+                <a:ea typeface="Raleway"/>
+                <a:cs typeface="Raleway"/>
+                <a:sym typeface="Raleway"/>
+              </a:defRPr>
+            </a:lvl3pPr>
+            <a:lvl4pPr lvl="3">
+              <a:spcBef>
+                <a:spcPts val="0"/>
+              </a:spcBef>
+              <a:buClr>
+                <a:schemeClr val="dk2"/>
+              </a:buClr>
+              <a:buSzPct val="100000"/>
+              <a:buFont typeface="Raleway"/>
+              <a:buNone/>
+              <a:defRPr sz="3000" b="1">
+                <a:solidFill>
+                  <a:schemeClr val="dk2"/>
+                </a:solidFill>
+                <a:latin typeface="Raleway"/>
+                <a:ea typeface="Raleway"/>
+                <a:cs typeface="Raleway"/>
+                <a:sym typeface="Raleway"/>
+              </a:defRPr>
+            </a:lvl4pPr>
+            <a:lvl5pPr lvl="4">
+              <a:spcBef>
+                <a:spcPts val="0"/>
+              </a:spcBef>
+              <a:buClr>
+                <a:schemeClr val="dk2"/>
+              </a:buClr>
+              <a:buSzPct val="100000"/>
+              <a:buFont typeface="Raleway"/>
+              <a:buNone/>
+              <a:defRPr sz="3000" b="1">
+                <a:solidFill>
+                  <a:schemeClr val="dk2"/>
+                </a:solidFill>
+                <a:latin typeface="Raleway"/>
+                <a:ea typeface="Raleway"/>
+                <a:cs typeface="Raleway"/>
+                <a:sym typeface="Raleway"/>
+              </a:defRPr>
+            </a:lvl5pPr>
+            <a:lvl6pPr lvl="5">
+              <a:spcBef>
+                <a:spcPts val="0"/>
+              </a:spcBef>
+              <a:buClr>
+                <a:schemeClr val="dk2"/>
+              </a:buClr>
+              <a:buSzPct val="100000"/>
+              <a:buFont typeface="Raleway"/>
+              <a:buNone/>
+              <a:defRPr sz="3000" b="1">
+                <a:solidFill>
+                  <a:schemeClr val="dk2"/>
+                </a:solidFill>
+                <a:latin typeface="Raleway"/>
+                <a:ea typeface="Raleway"/>
+                <a:cs typeface="Raleway"/>
+                <a:sym typeface="Raleway"/>
+              </a:defRPr>
+            </a:lvl6pPr>
+            <a:lvl7pPr lvl="6">
+              <a:spcBef>
+                <a:spcPts val="0"/>
+              </a:spcBef>
+              <a:buClr>
+                <a:schemeClr val="dk2"/>
+              </a:buClr>
+              <a:buSzPct val="100000"/>
+              <a:buFont typeface="Raleway"/>
+              <a:buNone/>
+              <a:defRPr sz="3000" b="1">
+                <a:solidFill>
+                  <a:schemeClr val="dk2"/>
+                </a:solidFill>
+                <a:latin typeface="Raleway"/>
+                <a:ea typeface="Raleway"/>
+                <a:cs typeface="Raleway"/>
+                <a:sym typeface="Raleway"/>
+              </a:defRPr>
+            </a:lvl7pPr>
+            <a:lvl8pPr lvl="7">
+              <a:spcBef>
+                <a:spcPts val="0"/>
+              </a:spcBef>
+              <a:buClr>
+                <a:schemeClr val="dk2"/>
+              </a:buClr>
+              <a:buSzPct val="100000"/>
+              <a:buFont typeface="Raleway"/>
+              <a:buNone/>
+              <a:defRPr sz="3000" b="1">
+                <a:solidFill>
+                  <a:schemeClr val="dk2"/>
+                </a:solidFill>
+                <a:latin typeface="Raleway"/>
+                <a:ea typeface="Raleway"/>
+                <a:cs typeface="Raleway"/>
+                <a:sym typeface="Raleway"/>
+              </a:defRPr>
+            </a:lvl8pPr>
+            <a:lvl9pPr lvl="8">
+              <a:spcBef>
+                <a:spcPts val="0"/>
+              </a:spcBef>
+              <a:buClr>
+                <a:schemeClr val="dk2"/>
+              </a:buClr>
+              <a:buSzPct val="100000"/>
+              <a:buFont typeface="Raleway"/>
+              <a:buNone/>
+              <a:defRPr sz="3000" b="1">
+                <a:solidFill>
+                  <a:schemeClr val="dk2"/>
+                </a:solidFill>
+                <a:latin typeface="Raleway"/>
+                <a:ea typeface="Raleway"/>
+                <a:cs typeface="Raleway"/>
+                <a:sym typeface="Raleway"/>
+              </a:defRPr>
+            </a:lvl9pPr>
+          </a:lstStyle>
+          <a:p>
+            <a:r>
+              <a:rPr lang="en-US" dirty="0" smtClean="0"/>
+              <a:t>Example</a:t>
+            </a:r>
+            <a:endParaRPr lang="en-US" dirty="0"/>
+          </a:p>
+        </p:txBody>
+      </p:sp>
+      <p:pic>
+        <p:nvPicPr>
+          <p:cNvPr id="2" name="Picture 1" descr="Flag_of_Côte_d'Ivoire.svg.png"/>
+          <p:cNvPicPr>
+            <a:picLocks noChangeAspect="1"/>
+          </p:cNvPicPr>
+          <p:nvPr/>
+        </p:nvPicPr>
+        <p:blipFill>
+          <a:blip r:embed="rId5">
+            <a:extLst>
+              <a:ext uri="{28A0092B-C50C-407E-A947-70E740481C1C}">
+                <a14:useLocalDpi xmlns:a14="http://schemas.microsoft.com/office/drawing/2010/main" val="0"/>
+              </a:ext>
+            </a:extLst>
+          </a:blip>
+          <a:stretch>
+            <a:fillRect/>
+          </a:stretch>
+        </p:blipFill>
+        <p:spPr>
+          <a:xfrm>
+            <a:off x="1712082" y="1128103"/>
+            <a:ext cx="389537" cy="259626"/>
+          </a:xfrm>
+          <a:prstGeom prst="rect">
+            <a:avLst/>
+          </a:prstGeom>
+        </p:spPr>
+      </p:pic>
     </p:spTree>
     <p:extLst>
       <p:ext uri="{BB962C8B-B14F-4D97-AF65-F5344CB8AC3E}">
@@ -6789,11 +7593,11 @@
   <p:clrMapOvr>
     <a:masterClrMapping/>
   </p:clrMapOvr>
-  <mc:AlternateContent xmlns:mc="http://schemas.openxmlformats.org/markup-compatibility/2006">
-    <mc:Choice xmlns:p14="http://schemas.microsoft.com/office/powerpoint/2010/main" Requires="p14">
+  <mc:AlternateContent xmlns:mc="http://schemas.openxmlformats.org/markup-compatibility/2006" xmlns:p14="http://schemas.microsoft.com/office/powerpoint/2010/main">
+    <mc:Choice Requires="p14">
       <p:transition p14:dur="0"/>
     </mc:Choice>
-    <mc:Fallback>
+    <mc:Fallback xmlns="">
       <p:transition xmlns:p14="http://schemas.microsoft.com/office/powerpoint/2010/main"/>
     </mc:Fallback>
   </mc:AlternateContent>
@@ -7642,7 +8446,7 @@
       </p:sp>
       <p:sp>
         <p:nvSpPr>
-          <p:cNvPr id="33" name="Title 1"/>
+          <p:cNvPr id="35" name="Title 1"/>
           <p:cNvSpPr txBox="1">
             <a:spLocks/>
           </p:cNvSpPr>
@@ -7650,7 +8454,7 @@
         </p:nvSpPr>
         <p:spPr>
           <a:xfrm>
-            <a:off x="2552650" y="728350"/>
+            <a:off x="3311956" y="700910"/>
             <a:ext cx="6321599" cy="635399"/>
           </a:xfrm>
           <a:prstGeom prst="rect">
@@ -7881,11 +8685,11 @@
   <p:clrMapOvr>
     <a:masterClrMapping/>
   </p:clrMapOvr>
-  <mc:AlternateContent xmlns:mc="http://schemas.openxmlformats.org/markup-compatibility/2006">
-    <mc:Choice xmlns:p14="http://schemas.microsoft.com/office/powerpoint/2010/main" Requires="p14">
+  <mc:AlternateContent xmlns:mc="http://schemas.openxmlformats.org/markup-compatibility/2006" xmlns:p14="http://schemas.microsoft.com/office/powerpoint/2010/main">
+    <mc:Choice Requires="p14">
       <p:transition p14:dur="0"/>
     </mc:Choice>
-    <mc:Fallback>
+    <mc:Fallback xmlns="">
       <p:transition xmlns:p14="http://schemas.microsoft.com/office/powerpoint/2010/main"/>
     </mc:Fallback>
   </mc:AlternateContent>
@@ -8568,6 +9372,13 @@
   <p:clrMapOvr>
     <a:masterClrMapping/>
   </p:clrMapOvr>
+  <p:timing>
+    <p:tnLst>
+      <p:par>
+        <p:cTn xmlns:p14="http://schemas.microsoft.com/office/powerpoint/2010/main" id="1" dur="indefinite" restart="never" nodeType="tmRoot"/>
+      </p:par>
+    </p:tnLst>
+  </p:timing>
 </p:sld>
 </file>
 
@@ -10644,7 +11455,7 @@
         </p:nvSpPr>
         <p:spPr>
           <a:xfrm>
-            <a:off x="5192956" y="1393455"/>
+            <a:off x="3516477" y="1393455"/>
             <a:ext cx="580799" cy="471300"/>
           </a:xfrm>
           <a:prstGeom prst="mathNotEqual">
@@ -10975,11 +11786,6 @@
                     </a:rPr>
                     <a:t>Findings</a:t>
                   </a:r>
-                  <a:endParaRPr lang="en-US" sz="1200" b="1" dirty="0">
-                    <a:solidFill>
-                      <a:srgbClr val="F46524"/>
-                    </a:solidFill>
-                  </a:endParaRPr>
                 </a:p>
               </p:txBody>
             </p:sp>
@@ -11257,6 +12063,13 @@
   <p:transition xmlns:p14="http://schemas.microsoft.com/office/powerpoint/2010/main" spd="slow">
     <p:cut/>
   </p:transition>
+  <p:timing>
+    <p:tnLst>
+      <p:par>
+        <p:cTn xmlns:p14="http://schemas.microsoft.com/office/powerpoint/2010/main" id="1" dur="indefinite" restart="never" nodeType="tmRoot"/>
+      </p:par>
+    </p:tnLst>
+  </p:timing>
 </p:sld>
 </file>
 
@@ -11854,11 +12667,6 @@
                   </a:rPr>
                   <a:t>Findings</a:t>
                 </a:r>
-                <a:endParaRPr lang="en-US" sz="1200" b="1" dirty="0">
-                  <a:solidFill>
-                    <a:srgbClr val="F46524"/>
-                  </a:solidFill>
-                </a:endParaRPr>
               </a:p>
             </p:txBody>
           </p:sp>
@@ -12157,14 +12965,6 @@
 <file path=ppt/slides/slide9.xml><?xml version="1.0" encoding="utf-8"?>
 <p:sld xmlns:a="http://schemas.openxmlformats.org/drawingml/2006/main" xmlns:r="http://schemas.openxmlformats.org/officeDocument/2006/relationships" xmlns:p="http://schemas.openxmlformats.org/presentationml/2006/main" showMasterSp="0">
   <p:cSld>
-    <p:bg>
-      <p:bgPr>
-        <a:solidFill>
-          <a:schemeClr val="tx1"/>
-        </a:solidFill>
-        <a:effectLst/>
-      </p:bgPr>
-    </p:bg>
     <p:spTree>
       <p:nvGrpSpPr>
         <p:cNvPr id="1" name=""/>
@@ -12181,246 +12981,602 @@
       </p:grpSpPr>
       <p:sp>
         <p:nvSpPr>
-          <p:cNvPr id="5" name="Shape 140"/>
-          <p:cNvSpPr txBox="1">
-            <a:spLocks/>
+          <p:cNvPr id="2" name="Title 1"/>
+          <p:cNvSpPr>
+            <a:spLocks noGrp="1"/>
           </p:cNvSpPr>
+          <p:nvPr>
+            <p:ph type="title"/>
+          </p:nvPr>
+        </p:nvSpPr>
+        <p:spPr>
+          <a:xfrm>
+            <a:off x="2085558" y="575950"/>
+            <a:ext cx="6321599" cy="635399"/>
+          </a:xfrm>
+        </p:spPr>
+        <p:txBody>
+          <a:bodyPr/>
+          <a:lstStyle/>
+          <a:p>
+            <a:r>
+              <a:rPr lang="en-US" dirty="0" smtClean="0"/>
+              <a:t>Conclusion - Improvements</a:t>
+            </a:r>
+            <a:endParaRPr lang="en-US" dirty="0"/>
+          </a:p>
+        </p:txBody>
+      </p:sp>
+      <p:sp>
+        <p:nvSpPr>
+          <p:cNvPr id="3" name="Text Placeholder 2"/>
+          <p:cNvSpPr>
+            <a:spLocks noGrp="1"/>
+          </p:cNvSpPr>
+          <p:nvPr>
+            <p:ph type="body" idx="1"/>
+          </p:nvPr>
+        </p:nvSpPr>
+        <p:spPr>
+          <a:xfrm>
+            <a:off x="1466036" y="1097215"/>
+            <a:ext cx="6321599" cy="3302640"/>
+          </a:xfrm>
+        </p:spPr>
+        <p:txBody>
+          <a:bodyPr/>
+          <a:lstStyle/>
+          <a:p>
+            <a:r>
+              <a:rPr lang="en-US" sz="1400" dirty="0" smtClean="0"/>
+              <a:t>Based on our results, we cannot confirm our null hypothesis as it was initially intended. </a:t>
+            </a:r>
+          </a:p>
+          <a:p>
+            <a:r>
+              <a:rPr lang="en-US" sz="1400" b="1" dirty="0" smtClean="0"/>
+              <a:t>Possible improvements:</a:t>
+            </a:r>
+          </a:p>
+          <a:p>
+            <a:pPr marL="342900" indent="-342900">
+              <a:buAutoNum type="arabicParenR"/>
+            </a:pPr>
+            <a:r>
+              <a:rPr lang="en-US" sz="1400" dirty="0" smtClean="0"/>
+              <a:t>Develop a more sophisticated approach to assigning each pixel to the correct focus point(instead of just averaging the RGB values of the best examples and then using the Euclidean distance)</a:t>
+            </a:r>
+          </a:p>
+          <a:p>
+            <a:pPr marL="342900" indent="-342900">
+              <a:buAutoNum type="arabicParenR"/>
+            </a:pPr>
+            <a:r>
+              <a:rPr lang="en-US" sz="1400" dirty="0" smtClean="0"/>
+              <a:t>Find a way of accounting for </a:t>
+            </a:r>
+            <a:r>
+              <a:rPr lang="en-US" sz="1400" i="1" dirty="0" smtClean="0"/>
+              <a:t>special case colors  </a:t>
+            </a:r>
+            <a:r>
+              <a:rPr lang="en-US" sz="1400" dirty="0" smtClean="0"/>
+              <a:t>(black, red and white) to avoid severe underestimations or overestimations</a:t>
+            </a:r>
+          </a:p>
+          <a:p>
+            <a:pPr marL="342900" indent="-342900">
+              <a:buAutoNum type="arabicParenR"/>
+            </a:pPr>
+            <a:r>
+              <a:rPr lang="en-US" sz="1400" dirty="0" smtClean="0"/>
+              <a:t>Compare naming schemes between languages for evidence of our hypothesis instead of looking one language at a time</a:t>
+            </a:r>
+            <a:endParaRPr lang="en-US" sz="1400" dirty="0"/>
+          </a:p>
+        </p:txBody>
+      </p:sp>
+      <p:grpSp>
+        <p:nvGrpSpPr>
+          <p:cNvPr id="4" name="Group 3"/>
+          <p:cNvGrpSpPr/>
+          <p:nvPr/>
+        </p:nvGrpSpPr>
+        <p:grpSpPr>
+          <a:xfrm>
+            <a:off x="663590" y="4496236"/>
+            <a:ext cx="7475846" cy="425315"/>
+            <a:chOff x="663590" y="4496236"/>
+            <a:chExt cx="7475846" cy="425315"/>
+          </a:xfrm>
+        </p:grpSpPr>
+        <p:grpSp>
+          <p:nvGrpSpPr>
+            <p:cNvPr id="5" name="Group 4"/>
+            <p:cNvGrpSpPr/>
+            <p:nvPr/>
+          </p:nvGrpSpPr>
+          <p:grpSpPr>
+            <a:xfrm>
+              <a:off x="663590" y="4496236"/>
+              <a:ext cx="7475846" cy="425315"/>
+              <a:chOff x="663590" y="4496236"/>
+              <a:chExt cx="7475846" cy="425315"/>
+            </a:xfrm>
+          </p:grpSpPr>
+          <p:sp>
+            <p:nvSpPr>
+              <p:cNvPr id="7" name="Shape 190"/>
+              <p:cNvSpPr/>
+              <p:nvPr/>
+            </p:nvSpPr>
+            <p:spPr>
+              <a:xfrm>
+                <a:off x="663590" y="4921547"/>
+                <a:ext cx="1270001" cy="1"/>
+              </a:xfrm>
+              <a:prstGeom prst="line">
+                <a:avLst/>
+              </a:prstGeom>
+              <a:ln/>
+            </p:spPr>
+            <p:style>
+              <a:lnRef idx="3">
+                <a:schemeClr val="dk1"/>
+              </a:lnRef>
+              <a:fillRef idx="0">
+                <a:schemeClr val="dk1"/>
+              </a:fillRef>
+              <a:effectRef idx="2">
+                <a:schemeClr val="dk1"/>
+              </a:effectRef>
+              <a:fontRef idx="minor">
+                <a:schemeClr val="tx1"/>
+              </a:fontRef>
+            </p:style>
+            <p:txBody>
+              <a:bodyPr lIns="50800" tIns="50800" rIns="50800" bIns="50800" anchor="ctr"/>
+              <a:lstStyle/>
+              <a:p>
+                <a:pPr>
+                  <a:defRPr sz="2400"/>
+                </a:pPr>
+                <a:endParaRPr sz="1200"/>
+              </a:p>
+            </p:txBody>
+          </p:sp>
+          <p:sp>
+            <p:nvSpPr>
+              <p:cNvPr id="8" name="Shape 186"/>
+              <p:cNvSpPr/>
+              <p:nvPr/>
+            </p:nvSpPr>
+            <p:spPr>
+              <a:xfrm>
+                <a:off x="2975070" y="4496236"/>
+                <a:ext cx="2852887" cy="287258"/>
+              </a:xfrm>
+              <a:prstGeom prst="rect">
+                <a:avLst/>
+              </a:prstGeom>
+              <a:ln w="12700">
+                <a:miter lim="400000"/>
+              </a:ln>
+              <a:extLst>
+                <a:ext uri="{C572A759-6A51-4108-AA02-DFA0A04FC94B}">
+                  <ma14:wrappingTextBoxFlag xmlns:ma14="http://schemas.microsoft.com/office/mac/drawingml/2011/main" val="1"/>
+                </a:ext>
+              </a:extLst>
+            </p:spPr>
+            <p:txBody>
+              <a:bodyPr lIns="50800" tIns="50800" rIns="50800" bIns="50800" anchor="ctr">
+                <a:spAutoFit/>
+              </a:bodyPr>
+              <a:lstStyle>
+                <a:lvl1pPr>
+                  <a:defRPr sz="2400">
+                    <a:solidFill>
+                      <a:srgbClr val="A6AAA9"/>
+                    </a:solidFill>
+                    <a:latin typeface="Museo Sans 500"/>
+                    <a:ea typeface="Museo Sans 500"/>
+                    <a:cs typeface="Museo Sans 500"/>
+                    <a:sym typeface="Museo Sans 500"/>
+                  </a:defRPr>
+                </a:lvl1pPr>
+              </a:lstStyle>
+              <a:p>
+                <a:r>
+                  <a:rPr lang="en-US" sz="1200" b="1" dirty="0" smtClean="0"/>
+                  <a:t>Methodology</a:t>
+                </a:r>
+                <a:endParaRPr sz="1200" b="1" dirty="0">
+                  <a:solidFill>
+                    <a:srgbClr val="F46524"/>
+                  </a:solidFill>
+                </a:endParaRPr>
+              </a:p>
+            </p:txBody>
+          </p:sp>
+          <p:sp>
+            <p:nvSpPr>
+              <p:cNvPr id="9" name="Shape 188"/>
+              <p:cNvSpPr/>
+              <p:nvPr/>
+            </p:nvSpPr>
+            <p:spPr>
+              <a:xfrm>
+                <a:off x="663590" y="4496236"/>
+                <a:ext cx="2852887" cy="287258"/>
+              </a:xfrm>
+              <a:prstGeom prst="rect">
+                <a:avLst/>
+              </a:prstGeom>
+              <a:ln w="12700">
+                <a:miter lim="400000"/>
+              </a:ln>
+              <a:extLst>
+                <a:ext uri="{C572A759-6A51-4108-AA02-DFA0A04FC94B}">
+                  <ma14:wrappingTextBoxFlag xmlns:ma14="http://schemas.microsoft.com/office/mac/drawingml/2011/main" val="1"/>
+                </a:ext>
+              </a:extLst>
+            </p:spPr>
+            <p:txBody>
+              <a:bodyPr lIns="50800" tIns="50800" rIns="50800" bIns="50800" anchor="ctr">
+                <a:spAutoFit/>
+              </a:bodyPr>
+              <a:lstStyle>
+                <a:lvl1pPr>
+                  <a:defRPr sz="2400">
+                    <a:solidFill>
+                      <a:srgbClr val="A6AAA9"/>
+                    </a:solidFill>
+                    <a:latin typeface="Museo Sans 500"/>
+                    <a:ea typeface="Museo Sans 500"/>
+                    <a:cs typeface="Museo Sans 500"/>
+                    <a:sym typeface="Museo Sans 500"/>
+                  </a:defRPr>
+                </a:lvl1pPr>
+              </a:lstStyle>
+              <a:p>
+                <a:r>
+                  <a:rPr lang="en-US" sz="1200" b="1" dirty="0" smtClean="0"/>
+                  <a:t>Hypothesis</a:t>
+                </a:r>
+                <a:endParaRPr lang="en-US" sz="1200" b="1" dirty="0"/>
+              </a:p>
+            </p:txBody>
+          </p:sp>
+          <p:sp>
+            <p:nvSpPr>
+              <p:cNvPr id="10" name="Shape 189"/>
+              <p:cNvSpPr/>
+              <p:nvPr/>
+            </p:nvSpPr>
+            <p:spPr>
+              <a:xfrm>
+                <a:off x="5286549" y="4508674"/>
+                <a:ext cx="2852887" cy="287258"/>
+              </a:xfrm>
+              <a:prstGeom prst="rect">
+                <a:avLst/>
+              </a:prstGeom>
+              <a:ln w="12700">
+                <a:miter lim="400000"/>
+              </a:ln>
+              <a:extLst>
+                <a:ext uri="{C572A759-6A51-4108-AA02-DFA0A04FC94B}">
+                  <ma14:wrappingTextBoxFlag xmlns:ma14="http://schemas.microsoft.com/office/mac/drawingml/2011/main" val="1"/>
+                </a:ext>
+              </a:extLst>
+            </p:spPr>
+            <p:txBody>
+              <a:bodyPr lIns="50800" tIns="50800" rIns="50800" bIns="50800" anchor="ctr">
+                <a:spAutoFit/>
+              </a:bodyPr>
+              <a:lstStyle>
+                <a:lvl1pPr>
+                  <a:defRPr sz="2400">
+                    <a:solidFill>
+                      <a:srgbClr val="A6AAA9"/>
+                    </a:solidFill>
+                    <a:latin typeface="Museo Sans 500"/>
+                    <a:ea typeface="Museo Sans 500"/>
+                    <a:cs typeface="Museo Sans 500"/>
+                    <a:sym typeface="Museo Sans 500"/>
+                  </a:defRPr>
+                </a:lvl1pPr>
+              </a:lstStyle>
+              <a:p>
+                <a:r>
+                  <a:rPr lang="en-US" sz="1200" b="1" dirty="0">
+                    <a:solidFill>
+                      <a:srgbClr val="F46524"/>
+                    </a:solidFill>
+                  </a:rPr>
+                  <a:t>Findings</a:t>
+                </a:r>
+              </a:p>
+            </p:txBody>
+          </p:sp>
+          <p:sp>
+            <p:nvSpPr>
+              <p:cNvPr id="11" name="Shape 191"/>
+              <p:cNvSpPr/>
+              <p:nvPr/>
+            </p:nvSpPr>
+            <p:spPr>
+              <a:xfrm>
+                <a:off x="2881476" y="4921550"/>
+                <a:ext cx="1270001" cy="1"/>
+              </a:xfrm>
+              <a:prstGeom prst="line">
+                <a:avLst/>
+              </a:prstGeom>
+              <a:ln/>
+            </p:spPr>
+            <p:style>
+              <a:lnRef idx="3">
+                <a:schemeClr val="dk1"/>
+              </a:lnRef>
+              <a:fillRef idx="0">
+                <a:schemeClr val="dk1"/>
+              </a:fillRef>
+              <a:effectRef idx="2">
+                <a:schemeClr val="dk1"/>
+              </a:effectRef>
+              <a:fontRef idx="minor">
+                <a:schemeClr val="tx1"/>
+              </a:fontRef>
+            </p:style>
+            <p:txBody>
+              <a:bodyPr lIns="50800" tIns="50800" rIns="50800" bIns="50800" anchor="ctr"/>
+              <a:lstStyle/>
+              <a:p>
+                <a:pPr>
+                  <a:defRPr sz="2400"/>
+                </a:pPr>
+                <a:endParaRPr sz="1200"/>
+              </a:p>
+            </p:txBody>
+          </p:sp>
+        </p:grpSp>
+        <p:sp>
+          <p:nvSpPr>
+            <p:cNvPr id="6" name="Shape 192"/>
+            <p:cNvSpPr/>
+            <p:nvPr/>
+          </p:nvSpPr>
+          <p:spPr>
+            <a:xfrm>
+              <a:off x="663590" y="4921549"/>
+              <a:ext cx="1270001" cy="1"/>
+            </a:xfrm>
+            <a:prstGeom prst="line">
+              <a:avLst/>
+            </a:prstGeom>
+            <a:ln w="63500">
+              <a:solidFill>
+                <a:srgbClr val="A6AAA9"/>
+              </a:solidFill>
+              <a:miter lim="400000"/>
+            </a:ln>
+          </p:spPr>
+          <p:txBody>
+            <a:bodyPr lIns="50800" tIns="50800" rIns="50800" bIns="50800" anchor="ctr"/>
+            <a:lstStyle/>
+            <a:p>
+              <a:pPr>
+                <a:defRPr sz="2400"/>
+              </a:pPr>
+              <a:endParaRPr sz="1200"/>
+            </a:p>
+          </p:txBody>
+        </p:sp>
+      </p:grpSp>
+      <p:sp>
+        <p:nvSpPr>
+          <p:cNvPr id="12" name="Shape 191"/>
+          <p:cNvSpPr/>
           <p:nvPr/>
         </p:nvSpPr>
         <p:spPr>
           <a:xfrm>
-            <a:off x="2125612" y="1995101"/>
-            <a:ext cx="6321599" cy="635399"/>
+            <a:off x="5192956" y="4899308"/>
+            <a:ext cx="1270001" cy="1"/>
+          </a:xfrm>
+          <a:prstGeom prst="line">
+            <a:avLst/>
+          </a:prstGeom>
+          <a:ln/>
+        </p:spPr>
+        <p:style>
+          <a:lnRef idx="3">
+            <a:schemeClr val="dk1"/>
+          </a:lnRef>
+          <a:fillRef idx="0">
+            <a:schemeClr val="dk1"/>
+          </a:fillRef>
+          <a:effectRef idx="2">
+            <a:schemeClr val="dk1"/>
+          </a:effectRef>
+          <a:fontRef idx="minor">
+            <a:schemeClr val="tx1"/>
+          </a:fontRef>
+        </p:style>
+        <p:txBody>
+          <a:bodyPr lIns="50800" tIns="50800" rIns="50800" bIns="50800" anchor="ctr"/>
+          <a:lstStyle/>
+          <a:p>
+            <a:pPr>
+              <a:defRPr sz="2400"/>
+            </a:pPr>
+            <a:endParaRPr sz="1200"/>
+          </a:p>
+        </p:txBody>
+      </p:sp>
+      <p:sp>
+        <p:nvSpPr>
+          <p:cNvPr id="13" name="Shape 192"/>
+          <p:cNvSpPr/>
+          <p:nvPr/>
+        </p:nvSpPr>
+        <p:spPr>
+          <a:xfrm>
+            <a:off x="2881476" y="4921551"/>
+            <a:ext cx="1270001" cy="1"/>
+          </a:xfrm>
+          <a:prstGeom prst="line">
+            <a:avLst/>
+          </a:prstGeom>
+          <a:ln w="63500">
+            <a:solidFill>
+              <a:srgbClr val="A6AAA9"/>
+            </a:solidFill>
+            <a:miter lim="400000"/>
+          </a:ln>
+        </p:spPr>
+        <p:txBody>
+          <a:bodyPr lIns="50800" tIns="50800" rIns="50800" bIns="50800" anchor="ctr"/>
+          <a:lstStyle/>
+          <a:p>
+            <a:pPr>
+              <a:defRPr sz="2400"/>
+            </a:pPr>
+            <a:endParaRPr sz="1200"/>
+          </a:p>
+        </p:txBody>
+      </p:sp>
+      <p:sp>
+        <p:nvSpPr>
+          <p:cNvPr id="14" name="Shape 191"/>
+          <p:cNvSpPr/>
+          <p:nvPr/>
+        </p:nvSpPr>
+        <p:spPr>
+          <a:xfrm>
+            <a:off x="7121054" y="4899072"/>
+            <a:ext cx="1270001" cy="1"/>
+          </a:xfrm>
+          <a:prstGeom prst="line">
+            <a:avLst/>
+          </a:prstGeom>
+          <a:ln/>
+        </p:spPr>
+        <p:style>
+          <a:lnRef idx="3">
+            <a:schemeClr val="dk1"/>
+          </a:lnRef>
+          <a:fillRef idx="0">
+            <a:schemeClr val="dk1"/>
+          </a:fillRef>
+          <a:effectRef idx="2">
+            <a:schemeClr val="dk1"/>
+          </a:effectRef>
+          <a:fontRef idx="minor">
+            <a:schemeClr val="tx1"/>
+          </a:fontRef>
+        </p:style>
+        <p:txBody>
+          <a:bodyPr lIns="50800" tIns="50800" rIns="50800" bIns="50800" anchor="ctr"/>
+          <a:lstStyle/>
+          <a:p>
+            <a:pPr>
+              <a:defRPr sz="2400"/>
+            </a:pPr>
+            <a:endParaRPr sz="1200"/>
+          </a:p>
+        </p:txBody>
+      </p:sp>
+      <p:sp>
+        <p:nvSpPr>
+          <p:cNvPr id="15" name="Shape 192"/>
+          <p:cNvSpPr/>
+          <p:nvPr/>
+        </p:nvSpPr>
+        <p:spPr>
+          <a:xfrm>
+            <a:off x="7121054" y="4910306"/>
+            <a:ext cx="1270001" cy="1"/>
+          </a:xfrm>
+          <a:prstGeom prst="line">
+            <a:avLst/>
+          </a:prstGeom>
+          <a:ln w="63500">
+            <a:solidFill>
+              <a:srgbClr val="A6AAA9"/>
+            </a:solidFill>
+            <a:miter lim="400000"/>
+          </a:ln>
+        </p:spPr>
+        <p:txBody>
+          <a:bodyPr lIns="50800" tIns="50800" rIns="50800" bIns="50800" anchor="ctr"/>
+          <a:lstStyle/>
+          <a:p>
+            <a:pPr>
+              <a:defRPr sz="2400"/>
+            </a:pPr>
+            <a:endParaRPr sz="1200"/>
+          </a:p>
+        </p:txBody>
+      </p:sp>
+      <p:sp>
+        <p:nvSpPr>
+          <p:cNvPr id="19" name="Shape 186"/>
+          <p:cNvSpPr/>
+          <p:nvPr/>
+        </p:nvSpPr>
+        <p:spPr>
+          <a:xfrm>
+            <a:off x="7229624" y="4508674"/>
+            <a:ext cx="2852887" cy="287258"/>
           </a:xfrm>
           <a:prstGeom prst="rect">
             <a:avLst/>
           </a:prstGeom>
-          <a:noFill/>
-          <a:ln>
-            <a:noFill/>
+          <a:ln w="12700">
+            <a:miter lim="400000"/>
           </a:ln>
+          <a:extLst>
+            <a:ext uri="{C572A759-6A51-4108-AA02-DFA0A04FC94B}">
+              <ma14:wrappingTextBoxFlag xmlns:ma14="http://schemas.microsoft.com/office/mac/drawingml/2011/main" val="1"/>
+            </a:ext>
+          </a:extLst>
         </p:spPr>
         <p:txBody>
-          <a:bodyPr lIns="91425" tIns="91425" rIns="91425" bIns="91425" anchor="t" anchorCtr="0">
-            <a:noAutofit/>
+          <a:bodyPr lIns="50800" tIns="50800" rIns="50800" bIns="50800" anchor="ctr">
+            <a:spAutoFit/>
           </a:bodyPr>
           <a:lstStyle>
-            <a:defPPr marR="0" lvl="0" algn="l" rtl="0">
-              <a:lnSpc>
-                <a:spcPct val="100000"/>
-              </a:lnSpc>
-              <a:spcBef>
-                <a:spcPts val="0"/>
-              </a:spcBef>
-              <a:spcAft>
-                <a:spcPts val="0"/>
-              </a:spcAft>
-            </a:defPPr>
-            <a:lvl1pPr marR="0" lvl="0" algn="l" rtl="0">
-              <a:lnSpc>
-                <a:spcPct val="100000"/>
-              </a:lnSpc>
-              <a:spcBef>
-                <a:spcPts val="0"/>
-              </a:spcBef>
-              <a:spcAft>
-                <a:spcPts val="0"/>
-              </a:spcAft>
-              <a:buClr>
-                <a:schemeClr val="dk2"/>
-              </a:buClr>
-              <a:buSzPct val="100000"/>
-              <a:buFont typeface="Raleway"/>
-              <a:buNone/>
-              <a:defRPr sz="3000" b="1" i="0" u="none" strike="noStrike" cap="none">
-                <a:solidFill>
-                  <a:schemeClr val="dk2"/>
-                </a:solidFill>
-                <a:latin typeface="Raleway"/>
-                <a:ea typeface="Raleway"/>
-                <a:cs typeface="Raleway"/>
-                <a:sym typeface="Raleway"/>
+            <a:lvl1pPr>
+              <a:defRPr sz="2400">
+                <a:solidFill>
+                  <a:srgbClr val="A6AAA9"/>
+                </a:solidFill>
+                <a:latin typeface="Museo Sans 500"/>
+                <a:ea typeface="Museo Sans 500"/>
+                <a:cs typeface="Museo Sans 500"/>
+                <a:sym typeface="Museo Sans 500"/>
               </a:defRPr>
             </a:lvl1pPr>
-            <a:lvl2pPr lvl="1">
-              <a:spcBef>
-                <a:spcPts val="0"/>
-              </a:spcBef>
-              <a:buClr>
-                <a:schemeClr val="dk2"/>
-              </a:buClr>
-              <a:buSzPct val="100000"/>
-              <a:buFont typeface="Raleway"/>
-              <a:buNone/>
-              <a:defRPr sz="3000" b="1">
-                <a:solidFill>
-                  <a:schemeClr val="dk2"/>
-                </a:solidFill>
-                <a:latin typeface="Raleway"/>
-                <a:ea typeface="Raleway"/>
-                <a:cs typeface="Raleway"/>
-                <a:sym typeface="Raleway"/>
-              </a:defRPr>
-            </a:lvl2pPr>
-            <a:lvl3pPr lvl="2">
-              <a:spcBef>
-                <a:spcPts val="0"/>
-              </a:spcBef>
-              <a:buClr>
-                <a:schemeClr val="dk2"/>
-              </a:buClr>
-              <a:buSzPct val="100000"/>
-              <a:buFont typeface="Raleway"/>
-              <a:buNone/>
-              <a:defRPr sz="3000" b="1">
-                <a:solidFill>
-                  <a:schemeClr val="dk2"/>
-                </a:solidFill>
-                <a:latin typeface="Raleway"/>
-                <a:ea typeface="Raleway"/>
-                <a:cs typeface="Raleway"/>
-                <a:sym typeface="Raleway"/>
-              </a:defRPr>
-            </a:lvl3pPr>
-            <a:lvl4pPr lvl="3">
-              <a:spcBef>
-                <a:spcPts val="0"/>
-              </a:spcBef>
-              <a:buClr>
-                <a:schemeClr val="dk2"/>
-              </a:buClr>
-              <a:buSzPct val="100000"/>
-              <a:buFont typeface="Raleway"/>
-              <a:buNone/>
-              <a:defRPr sz="3000" b="1">
-                <a:solidFill>
-                  <a:schemeClr val="dk2"/>
-                </a:solidFill>
-                <a:latin typeface="Raleway"/>
-                <a:ea typeface="Raleway"/>
-                <a:cs typeface="Raleway"/>
-                <a:sym typeface="Raleway"/>
-              </a:defRPr>
-            </a:lvl4pPr>
-            <a:lvl5pPr lvl="4">
-              <a:spcBef>
-                <a:spcPts val="0"/>
-              </a:spcBef>
-              <a:buClr>
-                <a:schemeClr val="dk2"/>
-              </a:buClr>
-              <a:buSzPct val="100000"/>
-              <a:buFont typeface="Raleway"/>
-              <a:buNone/>
-              <a:defRPr sz="3000" b="1">
-                <a:solidFill>
-                  <a:schemeClr val="dk2"/>
-                </a:solidFill>
-                <a:latin typeface="Raleway"/>
-                <a:ea typeface="Raleway"/>
-                <a:cs typeface="Raleway"/>
-                <a:sym typeface="Raleway"/>
-              </a:defRPr>
-            </a:lvl5pPr>
-            <a:lvl6pPr lvl="5">
-              <a:spcBef>
-                <a:spcPts val="0"/>
-              </a:spcBef>
-              <a:buClr>
-                <a:schemeClr val="dk2"/>
-              </a:buClr>
-              <a:buSzPct val="100000"/>
-              <a:buFont typeface="Raleway"/>
-              <a:buNone/>
-              <a:defRPr sz="3000" b="1">
-                <a:solidFill>
-                  <a:schemeClr val="dk2"/>
-                </a:solidFill>
-                <a:latin typeface="Raleway"/>
-                <a:ea typeface="Raleway"/>
-                <a:cs typeface="Raleway"/>
-                <a:sym typeface="Raleway"/>
-              </a:defRPr>
-            </a:lvl6pPr>
-            <a:lvl7pPr lvl="6">
-              <a:spcBef>
-                <a:spcPts val="0"/>
-              </a:spcBef>
-              <a:buClr>
-                <a:schemeClr val="dk2"/>
-              </a:buClr>
-              <a:buSzPct val="100000"/>
-              <a:buFont typeface="Raleway"/>
-              <a:buNone/>
-              <a:defRPr sz="3000" b="1">
-                <a:solidFill>
-                  <a:schemeClr val="dk2"/>
-                </a:solidFill>
-                <a:latin typeface="Raleway"/>
-                <a:ea typeface="Raleway"/>
-                <a:cs typeface="Raleway"/>
-                <a:sym typeface="Raleway"/>
-              </a:defRPr>
-            </a:lvl7pPr>
-            <a:lvl8pPr lvl="7">
-              <a:spcBef>
-                <a:spcPts val="0"/>
-              </a:spcBef>
-              <a:buClr>
-                <a:schemeClr val="dk2"/>
-              </a:buClr>
-              <a:buSzPct val="100000"/>
-              <a:buFont typeface="Raleway"/>
-              <a:buNone/>
-              <a:defRPr sz="3000" b="1">
-                <a:solidFill>
-                  <a:schemeClr val="dk2"/>
-                </a:solidFill>
-                <a:latin typeface="Raleway"/>
-                <a:ea typeface="Raleway"/>
-                <a:cs typeface="Raleway"/>
-                <a:sym typeface="Raleway"/>
-              </a:defRPr>
-            </a:lvl8pPr>
-            <a:lvl9pPr lvl="8">
-              <a:spcBef>
-                <a:spcPts val="0"/>
-              </a:spcBef>
-              <a:buClr>
-                <a:schemeClr val="dk2"/>
-              </a:buClr>
-              <a:buSzPct val="100000"/>
-              <a:buFont typeface="Raleway"/>
-              <a:buNone/>
-              <a:defRPr sz="3000" b="1">
-                <a:solidFill>
-                  <a:schemeClr val="dk2"/>
-                </a:solidFill>
-                <a:latin typeface="Raleway"/>
-                <a:ea typeface="Raleway"/>
-                <a:cs typeface="Raleway"/>
-                <a:sym typeface="Raleway"/>
-              </a:defRPr>
-            </a:lvl9pPr>
           </a:lstStyle>
           <a:p>
-            <a:pPr marL="909638" indent="-909638"/>
             <a:r>
-              <a:rPr lang="en-US" sz="6600" dirty="0">
-                <a:solidFill>
-                  <a:schemeClr val="bg1"/>
-                </a:solidFill>
-              </a:rPr>
-              <a:t>Questions?</a:t>
+              <a:rPr lang="en-US" sz="1200" b="1" dirty="0" smtClean="0"/>
+              <a:t>Q&amp;A</a:t>
             </a:r>
-            <a:endParaRPr lang="en" sz="6600" dirty="0"/>
+            <a:endParaRPr sz="1200" b="1" dirty="0">
+              <a:solidFill>
+                <a:srgbClr val="F46524"/>
+              </a:solidFill>
+            </a:endParaRPr>
           </a:p>
         </p:txBody>
       </p:sp>
     </p:spTree>
     <p:extLst>
       <p:ext uri="{BB962C8B-B14F-4D97-AF65-F5344CB8AC3E}">
-        <p14:creationId xmlns:p14="http://schemas.microsoft.com/office/powerpoint/2010/main" val="1488687188"/>
+        <p14:creationId xmlns:p14="http://schemas.microsoft.com/office/powerpoint/2010/main" val="165395251"/>
       </p:ext>
     </p:extLst>
   </p:cSld>
